--- a/CSCI-111/week-5/week-5-lecture/week-5-lecture.pptx
+++ b/CSCI-111/week-5/week-5-lecture/week-5-lecture.pptx
@@ -272,7 +272,7 @@
       </p15:sldGuideLst>
     </p:ext>
     <p:ext uri="GoogleSlidesCustomDataVersion2">
-      <go:slidesCustomData xmlns:go="http://customooxmlschemas.google.com/" r:id="rId22" roundtripDataSignature="AMtx7mjoLZZYvh+f5q5ldY9eBFTffDX4eQ=="/>
+      <go:slidesCustomData xmlns:go="http://customooxmlschemas.google.com/" r:id="rId22" roundtripDataSignature="AMtx7mgm2xiwpyEY+N6OOjVqBoFAm+Xd/g=="/>
     </p:ext>
   </p:extLst>
 </p:presentation>
@@ -961,7 +961,7 @@
   <p:cSld>
     <p:spTree>
       <p:nvGrpSpPr>
-        <p:cNvPr id="110" name="Shape 110"/>
+        <p:cNvPr id="111" name="Shape 111"/>
         <p:cNvGrpSpPr/>
         <p:nvPr/>
       </p:nvGrpSpPr>
@@ -975,7 +975,7 @@
       </p:grpSpPr>
       <p:sp>
         <p:nvSpPr>
-          <p:cNvPr id="111" name="Google Shape;111;g2fd87296955_0_87:notes"/>
+          <p:cNvPr id="112" name="Google Shape;112;g2fd87296955_0_87:notes"/>
           <p:cNvSpPr/>
           <p:nvPr>
             <p:ph idx="2" type="sldImg"/>
@@ -1020,7 +1020,7 @@
       </p:sp>
       <p:sp>
         <p:nvSpPr>
-          <p:cNvPr id="112" name="Google Shape;112;g2fd87296955_0_87:notes"/>
+          <p:cNvPr id="113" name="Google Shape;113;g2fd87296955_0_87:notes"/>
           <p:cNvSpPr txBox="1"/>
           <p:nvPr>
             <p:ph idx="1" type="body"/>
@@ -1078,7 +1078,7 @@
   <p:cSld>
     <p:spTree>
       <p:nvGrpSpPr>
-        <p:cNvPr id="116" name="Shape 116"/>
+        <p:cNvPr id="117" name="Shape 117"/>
         <p:cNvGrpSpPr/>
         <p:nvPr/>
       </p:nvGrpSpPr>
@@ -1092,7 +1092,7 @@
       </p:grpSpPr>
       <p:sp>
         <p:nvSpPr>
-          <p:cNvPr id="117" name="Google Shape;117;g2fd87296955_0_47:notes"/>
+          <p:cNvPr id="118" name="Google Shape;118;g2fd87296955_0_47:notes"/>
           <p:cNvSpPr/>
           <p:nvPr>
             <p:ph idx="2" type="sldImg"/>
@@ -1127,7 +1127,7 @@
       </p:sp>
       <p:sp>
         <p:nvSpPr>
-          <p:cNvPr id="118" name="Google Shape;118;g2fd87296955_0_47:notes"/>
+          <p:cNvPr id="119" name="Google Shape;119;g2fd87296955_0_47:notes"/>
           <p:cNvSpPr txBox="1"/>
           <p:nvPr>
             <p:ph idx="1" type="body"/>
@@ -1177,7 +1177,7 @@
   <p:cSld>
     <p:spTree>
       <p:nvGrpSpPr>
-        <p:cNvPr id="122" name="Shape 122"/>
+        <p:cNvPr id="123" name="Shape 123"/>
         <p:cNvGrpSpPr/>
         <p:nvPr/>
       </p:nvGrpSpPr>
@@ -1191,7 +1191,7 @@
       </p:grpSpPr>
       <p:sp>
         <p:nvSpPr>
-          <p:cNvPr id="123" name="Google Shape;123;g2fd87296955_0_96:notes"/>
+          <p:cNvPr id="124" name="Google Shape;124;g2fd87296955_0_96:notes"/>
           <p:cNvSpPr/>
           <p:nvPr>
             <p:ph idx="2" type="sldImg"/>
@@ -1226,7 +1226,7 @@
       </p:sp>
       <p:sp>
         <p:nvSpPr>
-          <p:cNvPr id="124" name="Google Shape;124;g2fd87296955_0_96:notes"/>
+          <p:cNvPr id="125" name="Google Shape;125;g2fd87296955_0_96:notes"/>
           <p:cNvSpPr txBox="1"/>
           <p:nvPr>
             <p:ph idx="1" type="body"/>
@@ -1276,7 +1276,7 @@
   <p:cSld>
     <p:spTree>
       <p:nvGrpSpPr>
-        <p:cNvPr id="131" name="Shape 131"/>
+        <p:cNvPr id="132" name="Shape 132"/>
         <p:cNvGrpSpPr/>
         <p:nvPr/>
       </p:nvGrpSpPr>
@@ -1290,7 +1290,7 @@
       </p:grpSpPr>
       <p:sp>
         <p:nvSpPr>
-          <p:cNvPr id="132" name="Google Shape;132;g2fd87296955_0_101:notes"/>
+          <p:cNvPr id="133" name="Google Shape;133;g2fd87296955_0_101:notes"/>
           <p:cNvSpPr/>
           <p:nvPr>
             <p:ph idx="2" type="sldImg"/>
@@ -1325,7 +1325,7 @@
       </p:sp>
       <p:sp>
         <p:nvSpPr>
-          <p:cNvPr id="133" name="Google Shape;133;g2fd87296955_0_101:notes"/>
+          <p:cNvPr id="134" name="Google Shape;134;g2fd87296955_0_101:notes"/>
           <p:cNvSpPr txBox="1"/>
           <p:nvPr>
             <p:ph idx="1" type="body"/>
@@ -1375,7 +1375,7 @@
   <p:cSld>
     <p:spTree>
       <p:nvGrpSpPr>
-        <p:cNvPr id="139" name="Shape 139"/>
+        <p:cNvPr id="140" name="Shape 140"/>
         <p:cNvGrpSpPr/>
         <p:nvPr/>
       </p:nvGrpSpPr>
@@ -1389,7 +1389,7 @@
       </p:grpSpPr>
       <p:sp>
         <p:nvSpPr>
-          <p:cNvPr id="140" name="Google Shape;140;g2fd87296955_0_106:notes"/>
+          <p:cNvPr id="141" name="Google Shape;141;g2fd87296955_0_106:notes"/>
           <p:cNvSpPr/>
           <p:nvPr>
             <p:ph idx="2" type="sldImg"/>
@@ -1424,7 +1424,7 @@
       </p:sp>
       <p:sp>
         <p:nvSpPr>
-          <p:cNvPr id="141" name="Google Shape;141;g2fd87296955_0_106:notes"/>
+          <p:cNvPr id="142" name="Google Shape;142;g2fd87296955_0_106:notes"/>
           <p:cNvSpPr txBox="1"/>
           <p:nvPr>
             <p:ph idx="1" type="body"/>
@@ -1474,7 +1474,7 @@
   <p:cSld>
     <p:spTree>
       <p:nvGrpSpPr>
-        <p:cNvPr id="145" name="Shape 145"/>
+        <p:cNvPr id="146" name="Shape 146"/>
         <p:cNvGrpSpPr/>
         <p:nvPr/>
       </p:nvGrpSpPr>
@@ -1488,7 +1488,7 @@
       </p:grpSpPr>
       <p:sp>
         <p:nvSpPr>
-          <p:cNvPr id="146" name="Google Shape;146;g2fd87296955_1_9:notes"/>
+          <p:cNvPr id="147" name="Google Shape;147;g2fd87296955_1_9:notes"/>
           <p:cNvSpPr/>
           <p:nvPr>
             <p:ph idx="2" type="sldImg"/>
@@ -1523,7 +1523,7 @@
       </p:sp>
       <p:sp>
         <p:nvSpPr>
-          <p:cNvPr id="147" name="Google Shape;147;g2fd87296955_1_9:notes"/>
+          <p:cNvPr id="148" name="Google Shape;148;g2fd87296955_1_9:notes"/>
           <p:cNvSpPr txBox="1"/>
           <p:nvPr>
             <p:ph idx="1" type="body"/>
@@ -1573,7 +1573,7 @@
   <p:cSld>
     <p:spTree>
       <p:nvGrpSpPr>
-        <p:cNvPr id="151" name="Shape 151"/>
+        <p:cNvPr id="152" name="Shape 152"/>
         <p:cNvGrpSpPr/>
         <p:nvPr/>
       </p:nvGrpSpPr>
@@ -1587,7 +1587,7 @@
       </p:grpSpPr>
       <p:sp>
         <p:nvSpPr>
-          <p:cNvPr id="152" name="Google Shape;152;g2f62552a751_0_76:notes"/>
+          <p:cNvPr id="153" name="Google Shape;153;g2f62552a751_0_76:notes"/>
           <p:cNvSpPr/>
           <p:nvPr>
             <p:ph idx="2" type="sldImg"/>
@@ -1632,7 +1632,7 @@
       </p:sp>
       <p:sp>
         <p:nvSpPr>
-          <p:cNvPr id="153" name="Google Shape;153;g2f62552a751_0_76:notes"/>
+          <p:cNvPr id="154" name="Google Shape;154;g2f62552a751_0_76:notes"/>
           <p:cNvSpPr txBox="1"/>
           <p:nvPr>
             <p:ph idx="1" type="body"/>
@@ -1807,7 +1807,7 @@
   <p:cSld>
     <p:spTree>
       <p:nvGrpSpPr>
-        <p:cNvPr id="63" name="Shape 63"/>
+        <p:cNvPr id="64" name="Shape 64"/>
         <p:cNvGrpSpPr/>
         <p:nvPr/>
       </p:nvGrpSpPr>
@@ -1821,7 +1821,7 @@
       </p:grpSpPr>
       <p:sp>
         <p:nvSpPr>
-          <p:cNvPr id="64" name="Google Shape;64;g2f615a3eae8_0_25:notes"/>
+          <p:cNvPr id="65" name="Google Shape;65;g2f615a3eae8_0_25:notes"/>
           <p:cNvSpPr/>
           <p:nvPr>
             <p:ph idx="2" type="sldImg"/>
@@ -1866,7 +1866,7 @@
       </p:sp>
       <p:sp>
         <p:nvSpPr>
-          <p:cNvPr id="65" name="Google Shape;65;g2f615a3eae8_0_25:notes"/>
+          <p:cNvPr id="66" name="Google Shape;66;g2f615a3eae8_0_25:notes"/>
           <p:cNvSpPr txBox="1"/>
           <p:nvPr>
             <p:ph idx="1" type="body"/>
@@ -1924,7 +1924,7 @@
   <p:cSld>
     <p:spTree>
       <p:nvGrpSpPr>
-        <p:cNvPr id="69" name="Shape 69"/>
+        <p:cNvPr id="70" name="Shape 70"/>
         <p:cNvGrpSpPr/>
         <p:nvPr/>
       </p:nvGrpSpPr>
@@ -1938,7 +1938,7 @@
       </p:grpSpPr>
       <p:sp>
         <p:nvSpPr>
-          <p:cNvPr id="70" name="Google Shape;70;g2fd87296955_0_15:notes"/>
+          <p:cNvPr id="71" name="Google Shape;71;g2fd87296955_0_15:notes"/>
           <p:cNvSpPr/>
           <p:nvPr>
             <p:ph idx="2" type="sldImg"/>
@@ -1983,7 +1983,7 @@
       </p:sp>
       <p:sp>
         <p:nvSpPr>
-          <p:cNvPr id="71" name="Google Shape;71;g2fd87296955_0_15:notes"/>
+          <p:cNvPr id="72" name="Google Shape;72;g2fd87296955_0_15:notes"/>
           <p:cNvSpPr txBox="1"/>
           <p:nvPr>
             <p:ph idx="1" type="body"/>
@@ -2041,7 +2041,7 @@
   <p:cSld>
     <p:spTree>
       <p:nvGrpSpPr>
-        <p:cNvPr id="75" name="Shape 75"/>
+        <p:cNvPr id="76" name="Shape 76"/>
         <p:cNvGrpSpPr/>
         <p:nvPr/>
       </p:nvGrpSpPr>
@@ -2055,7 +2055,7 @@
       </p:grpSpPr>
       <p:sp>
         <p:nvSpPr>
-          <p:cNvPr id="76" name="Google Shape;76;g2fd87296955_0_21:notes"/>
+          <p:cNvPr id="77" name="Google Shape;77;g2fd87296955_0_21:notes"/>
           <p:cNvSpPr/>
           <p:nvPr>
             <p:ph idx="2" type="sldImg"/>
@@ -2100,7 +2100,7 @@
       </p:sp>
       <p:sp>
         <p:nvSpPr>
-          <p:cNvPr id="77" name="Google Shape;77;g2fd87296955_0_21:notes"/>
+          <p:cNvPr id="78" name="Google Shape;78;g2fd87296955_0_21:notes"/>
           <p:cNvSpPr txBox="1"/>
           <p:nvPr>
             <p:ph idx="1" type="body"/>
@@ -2158,7 +2158,7 @@
   <p:cSld>
     <p:spTree>
       <p:nvGrpSpPr>
-        <p:cNvPr id="83" name="Shape 83"/>
+        <p:cNvPr id="84" name="Shape 84"/>
         <p:cNvGrpSpPr/>
         <p:nvPr/>
       </p:nvGrpSpPr>
@@ -2172,7 +2172,7 @@
       </p:grpSpPr>
       <p:sp>
         <p:nvSpPr>
-          <p:cNvPr id="84" name="Google Shape;84;g2fd87296955_0_31:notes"/>
+          <p:cNvPr id="85" name="Google Shape;85;g2fd87296955_0_31:notes"/>
           <p:cNvSpPr/>
           <p:nvPr>
             <p:ph idx="2" type="sldImg"/>
@@ -2217,7 +2217,7 @@
       </p:sp>
       <p:sp>
         <p:nvSpPr>
-          <p:cNvPr id="85" name="Google Shape;85;g2fd87296955_0_31:notes"/>
+          <p:cNvPr id="86" name="Google Shape;86;g2fd87296955_0_31:notes"/>
           <p:cNvSpPr txBox="1"/>
           <p:nvPr>
             <p:ph idx="1" type="body"/>
@@ -2275,7 +2275,7 @@
   <p:cSld>
     <p:spTree>
       <p:nvGrpSpPr>
-        <p:cNvPr id="91" name="Shape 91"/>
+        <p:cNvPr id="92" name="Shape 92"/>
         <p:cNvGrpSpPr/>
         <p:nvPr/>
       </p:nvGrpSpPr>
@@ -2289,7 +2289,7 @@
       </p:grpSpPr>
       <p:sp>
         <p:nvSpPr>
-          <p:cNvPr id="92" name="Google Shape;92;g2fd87296955_0_40:notes"/>
+          <p:cNvPr id="93" name="Google Shape;93;g2fd87296955_0_40:notes"/>
           <p:cNvSpPr/>
           <p:nvPr>
             <p:ph idx="2" type="sldImg"/>
@@ -2334,7 +2334,7 @@
       </p:sp>
       <p:sp>
         <p:nvSpPr>
-          <p:cNvPr id="93" name="Google Shape;93;g2fd87296955_0_40:notes"/>
+          <p:cNvPr id="94" name="Google Shape;94;g2fd87296955_0_40:notes"/>
           <p:cNvSpPr txBox="1"/>
           <p:nvPr>
             <p:ph idx="1" type="body"/>
@@ -2392,7 +2392,7 @@
   <p:cSld>
     <p:spTree>
       <p:nvGrpSpPr>
-        <p:cNvPr id="97" name="Shape 97"/>
+        <p:cNvPr id="98" name="Shape 98"/>
         <p:cNvGrpSpPr/>
         <p:nvPr/>
       </p:nvGrpSpPr>
@@ -2406,7 +2406,7 @@
       </p:grpSpPr>
       <p:sp>
         <p:nvSpPr>
-          <p:cNvPr id="98" name="Google Shape;98;g2fd87296955_0_72:notes"/>
+          <p:cNvPr id="99" name="Google Shape;99;g2fd87296955_0_72:notes"/>
           <p:cNvSpPr/>
           <p:nvPr>
             <p:ph idx="2" type="sldImg"/>
@@ -2451,7 +2451,7 @@
       </p:sp>
       <p:sp>
         <p:nvSpPr>
-          <p:cNvPr id="99" name="Google Shape;99;g2fd87296955_0_72:notes"/>
+          <p:cNvPr id="100" name="Google Shape;100;g2fd87296955_0_72:notes"/>
           <p:cNvSpPr txBox="1"/>
           <p:nvPr>
             <p:ph idx="1" type="body"/>
@@ -2509,7 +2509,7 @@
   <p:cSld>
     <p:spTree>
       <p:nvGrpSpPr>
-        <p:cNvPr id="103" name="Shape 103"/>
+        <p:cNvPr id="104" name="Shape 104"/>
         <p:cNvGrpSpPr/>
         <p:nvPr/>
       </p:nvGrpSpPr>
@@ -2523,7 +2523,7 @@
       </p:grpSpPr>
       <p:sp>
         <p:nvSpPr>
-          <p:cNvPr id="104" name="Google Shape;104;g2fd87296955_0_77:notes"/>
+          <p:cNvPr id="105" name="Google Shape;105;g2fd87296955_0_77:notes"/>
           <p:cNvSpPr/>
           <p:nvPr>
             <p:ph idx="2" type="sldImg"/>
@@ -2568,7 +2568,7 @@
       </p:sp>
       <p:sp>
         <p:nvSpPr>
-          <p:cNvPr id="105" name="Google Shape;105;g2fd87296955_0_77:notes"/>
+          <p:cNvPr id="106" name="Google Shape;106;g2fd87296955_0_77:notes"/>
           <p:cNvSpPr txBox="1"/>
           <p:nvPr>
             <p:ph idx="1" type="body"/>
@@ -11281,7 +11281,7 @@
   <p:cSld>
     <p:spTree>
       <p:nvGrpSpPr>
-        <p:cNvPr id="113" name="Shape 113"/>
+        <p:cNvPr id="114" name="Shape 114"/>
         <p:cNvGrpSpPr/>
         <p:nvPr/>
       </p:nvGrpSpPr>
@@ -11295,7 +11295,7 @@
       </p:grpSpPr>
       <p:sp>
         <p:nvSpPr>
-          <p:cNvPr id="114" name="Google Shape;114;g2fd87296955_0_87"/>
+          <p:cNvPr id="115" name="Google Shape;115;g2fd87296955_0_87"/>
           <p:cNvSpPr txBox="1"/>
           <p:nvPr>
             <p:ph type="title"/>
@@ -11353,7 +11353,7 @@
       </p:sp>
       <p:sp>
         <p:nvSpPr>
-          <p:cNvPr id="115" name="Google Shape;115;g2fd87296955_0_87"/>
+          <p:cNvPr id="116" name="Google Shape;116;g2fd87296955_0_87"/>
           <p:cNvSpPr txBox="1"/>
           <p:nvPr/>
         </p:nvSpPr>
@@ -11897,7 +11897,7 @@
   <p:cSld>
     <p:spTree>
       <p:nvGrpSpPr>
-        <p:cNvPr id="119" name="Shape 119"/>
+        <p:cNvPr id="120" name="Shape 120"/>
         <p:cNvGrpSpPr/>
         <p:nvPr/>
       </p:nvGrpSpPr>
@@ -11911,7 +11911,7 @@
       </p:grpSpPr>
       <p:sp>
         <p:nvSpPr>
-          <p:cNvPr id="120" name="Google Shape;120;g2fd87296955_0_47"/>
+          <p:cNvPr id="121" name="Google Shape;121;g2fd87296955_0_47"/>
           <p:cNvSpPr txBox="1"/>
           <p:nvPr>
             <p:ph type="title"/>
@@ -11962,7 +11962,7 @@
       </p:sp>
       <p:sp>
         <p:nvSpPr>
-          <p:cNvPr id="121" name="Google Shape;121;g2fd87296955_0_47"/>
+          <p:cNvPr id="122" name="Google Shape;122;g2fd87296955_0_47"/>
           <p:cNvSpPr txBox="1"/>
           <p:nvPr>
             <p:ph idx="1" type="body"/>
@@ -12730,7 +12730,7 @@
   <p:cSld>
     <p:spTree>
       <p:nvGrpSpPr>
-        <p:cNvPr id="125" name="Shape 125"/>
+        <p:cNvPr id="126" name="Shape 126"/>
         <p:cNvGrpSpPr/>
         <p:nvPr/>
       </p:nvGrpSpPr>
@@ -12744,7 +12744,7 @@
       </p:grpSpPr>
       <p:sp>
         <p:nvSpPr>
-          <p:cNvPr id="126" name="Google Shape;126;g2fd87296955_0_96"/>
+          <p:cNvPr id="127" name="Google Shape;127;g2fd87296955_0_96"/>
           <p:cNvSpPr txBox="1"/>
           <p:nvPr>
             <p:ph type="title"/>
@@ -12795,7 +12795,7 @@
       </p:sp>
       <p:sp>
         <p:nvSpPr>
-          <p:cNvPr id="127" name="Google Shape;127;g2fd87296955_0_96"/>
+          <p:cNvPr id="128" name="Google Shape;128;g2fd87296955_0_96"/>
           <p:cNvSpPr txBox="1"/>
           <p:nvPr>
             <p:ph idx="1" type="body"/>
@@ -12979,7 +12979,7 @@
       </p:sp>
       <p:pic>
         <p:nvPicPr>
-          <p:cNvPr id="128" name="Google Shape;128;g2fd87296955_0_96"/>
+          <p:cNvPr id="129" name="Google Shape;129;g2fd87296955_0_96"/>
           <p:cNvPicPr preferRelativeResize="0"/>
           <p:nvPr/>
         </p:nvPicPr>
@@ -13006,7 +13006,7 @@
       </p:pic>
       <p:pic>
         <p:nvPicPr>
-          <p:cNvPr id="129" name="Google Shape;129;g2fd87296955_0_96"/>
+          <p:cNvPr id="130" name="Google Shape;130;g2fd87296955_0_96"/>
           <p:cNvPicPr preferRelativeResize="0"/>
           <p:nvPr/>
         </p:nvPicPr>
@@ -13033,7 +13033,7 @@
       </p:pic>
       <p:pic>
         <p:nvPicPr>
-          <p:cNvPr id="130" name="Google Shape;130;g2fd87296955_0_96"/>
+          <p:cNvPr id="131" name="Google Shape;131;g2fd87296955_0_96"/>
           <p:cNvPicPr preferRelativeResize="0"/>
           <p:nvPr/>
         </p:nvPicPr>
@@ -13071,7 +13071,7 @@
   <p:cSld>
     <p:spTree>
       <p:nvGrpSpPr>
-        <p:cNvPr id="134" name="Shape 134"/>
+        <p:cNvPr id="135" name="Shape 135"/>
         <p:cNvGrpSpPr/>
         <p:nvPr/>
       </p:nvGrpSpPr>
@@ -13085,7 +13085,7 @@
       </p:grpSpPr>
       <p:sp>
         <p:nvSpPr>
-          <p:cNvPr id="135" name="Google Shape;135;g2fd87296955_0_101"/>
+          <p:cNvPr id="136" name="Google Shape;136;g2fd87296955_0_101"/>
           <p:cNvSpPr txBox="1"/>
           <p:nvPr>
             <p:ph type="title"/>
@@ -13136,7 +13136,7 @@
       </p:sp>
       <p:sp>
         <p:nvSpPr>
-          <p:cNvPr id="136" name="Google Shape;136;g2fd87296955_0_101"/>
+          <p:cNvPr id="137" name="Google Shape;137;g2fd87296955_0_101"/>
           <p:cNvSpPr txBox="1"/>
           <p:nvPr>
             <p:ph idx="1" type="body"/>
@@ -14160,7 +14160,7 @@
       </p:sp>
       <p:pic>
         <p:nvPicPr>
-          <p:cNvPr id="137" name="Google Shape;137;g2fd87296955_0_101"/>
+          <p:cNvPr id="138" name="Google Shape;138;g2fd87296955_0_101"/>
           <p:cNvPicPr preferRelativeResize="0"/>
           <p:nvPr/>
         </p:nvPicPr>
@@ -14187,7 +14187,7 @@
       </p:pic>
       <p:cxnSp>
         <p:nvCxnSpPr>
-          <p:cNvPr id="138" name="Google Shape;138;g2fd87296955_0_101"/>
+          <p:cNvPr id="139" name="Google Shape;139;g2fd87296955_0_101"/>
           <p:cNvCxnSpPr/>
           <p:nvPr/>
         </p:nvCxnSpPr>
@@ -14224,7 +14224,7 @@
   <p:cSld>
     <p:spTree>
       <p:nvGrpSpPr>
-        <p:cNvPr id="142" name="Shape 142"/>
+        <p:cNvPr id="143" name="Shape 143"/>
         <p:cNvGrpSpPr/>
         <p:nvPr/>
       </p:nvGrpSpPr>
@@ -14238,7 +14238,7 @@
       </p:grpSpPr>
       <p:sp>
         <p:nvSpPr>
-          <p:cNvPr id="143" name="Google Shape;143;g2fd87296955_0_106"/>
+          <p:cNvPr id="144" name="Google Shape;144;g2fd87296955_0_106"/>
           <p:cNvSpPr txBox="1"/>
           <p:nvPr>
             <p:ph type="title"/>
@@ -14289,7 +14289,7 @@
       </p:sp>
       <p:sp>
         <p:nvSpPr>
-          <p:cNvPr id="144" name="Google Shape;144;g2fd87296955_0_106"/>
+          <p:cNvPr id="145" name="Google Shape;145;g2fd87296955_0_106"/>
           <p:cNvSpPr txBox="1"/>
           <p:nvPr>
             <p:ph idx="1" type="body"/>
@@ -14521,7 +14521,7 @@
   <p:cSld>
     <p:spTree>
       <p:nvGrpSpPr>
-        <p:cNvPr id="148" name="Shape 148"/>
+        <p:cNvPr id="149" name="Shape 149"/>
         <p:cNvGrpSpPr/>
         <p:nvPr/>
       </p:nvGrpSpPr>
@@ -14535,7 +14535,7 @@
       </p:grpSpPr>
       <p:sp>
         <p:nvSpPr>
-          <p:cNvPr id="149" name="Google Shape;149;g2fd87296955_1_9"/>
+          <p:cNvPr id="150" name="Google Shape;150;g2fd87296955_1_9"/>
           <p:cNvSpPr txBox="1"/>
           <p:nvPr>
             <p:ph idx="1" type="body"/>
@@ -14907,7 +14907,7 @@
       </p:sp>
       <p:sp>
         <p:nvSpPr>
-          <p:cNvPr id="150" name="Google Shape;150;g2fd87296955_1_9"/>
+          <p:cNvPr id="151" name="Google Shape;151;g2fd87296955_1_9"/>
           <p:cNvSpPr txBox="1"/>
           <p:nvPr>
             <p:ph type="title"/>
@@ -14969,7 +14969,7 @@
   <p:cSld>
     <p:spTree>
       <p:nvGrpSpPr>
-        <p:cNvPr id="154" name="Shape 154"/>
+        <p:cNvPr id="155" name="Shape 155"/>
         <p:cNvGrpSpPr/>
         <p:nvPr/>
       </p:nvGrpSpPr>
@@ -14983,7 +14983,7 @@
       </p:grpSpPr>
       <p:sp>
         <p:nvSpPr>
-          <p:cNvPr id="155" name="Google Shape;155;g2f62552a751_0_76"/>
+          <p:cNvPr id="156" name="Google Shape;156;g2f62552a751_0_76"/>
           <p:cNvSpPr txBox="1"/>
           <p:nvPr>
             <p:ph idx="1" type="body"/>
@@ -15737,6 +15737,58 @@
           </a:p>
         </p:txBody>
       </p:sp>
+      <p:sp>
+        <p:nvSpPr>
+          <p:cNvPr id="63" name="Google Shape;63;p2"/>
+          <p:cNvSpPr txBox="1"/>
+          <p:nvPr/>
+        </p:nvSpPr>
+        <p:spPr>
+          <a:xfrm>
+            <a:off x="0" y="4743300"/>
+            <a:ext cx="9144000" cy="400200"/>
+          </a:xfrm>
+          <a:prstGeom prst="rect">
+            <a:avLst/>
+          </a:prstGeom>
+          <a:noFill/>
+          <a:ln>
+            <a:noFill/>
+          </a:ln>
+        </p:spPr>
+        <p:txBody>
+          <a:bodyPr anchorCtr="0" anchor="t" bIns="91425" lIns="91425" spcFirstLastPara="1" rIns="91425" wrap="square" tIns="91425">
+            <a:spAutoFit/>
+          </a:bodyPr>
+          <a:lstStyle/>
+          <a:p>
+            <a:pPr indent="0" lvl="0" marL="0" rtl="0" algn="ctr">
+              <a:spcBef>
+                <a:spcPts val="0"/>
+              </a:spcBef>
+              <a:spcAft>
+                <a:spcPts val="0"/>
+              </a:spcAft>
+              <a:buNone/>
+            </a:pPr>
+            <a:r>
+              <a:rPr b="1" lang="en">
+                <a:latin typeface="Times New Roman"/>
+                <a:ea typeface="Times New Roman"/>
+                <a:cs typeface="Times New Roman"/>
+                <a:sym typeface="Times New Roman"/>
+              </a:rPr>
+              <a:t>https://www.w3schools.com/html/html_responsive.asp</a:t>
+            </a:r>
+            <a:endParaRPr b="1">
+              <a:latin typeface="Times New Roman"/>
+              <a:ea typeface="Times New Roman"/>
+              <a:cs typeface="Times New Roman"/>
+              <a:sym typeface="Times New Roman"/>
+            </a:endParaRPr>
+          </a:p>
+        </p:txBody>
+      </p:sp>
     </p:spTree>
   </p:cSld>
   <p:clrMapOvr>
@@ -15750,7 +15802,7 @@
   <p:cSld>
     <p:spTree>
       <p:nvGrpSpPr>
-        <p:cNvPr id="66" name="Shape 66"/>
+        <p:cNvPr id="67" name="Shape 67"/>
         <p:cNvGrpSpPr/>
         <p:nvPr/>
       </p:nvGrpSpPr>
@@ -15764,7 +15816,7 @@
       </p:grpSpPr>
       <p:sp>
         <p:nvSpPr>
-          <p:cNvPr id="67" name="Google Shape;67;g2f615a3eae8_0_25"/>
+          <p:cNvPr id="68" name="Google Shape;68;g2f615a3eae8_0_25"/>
           <p:cNvSpPr txBox="1"/>
           <p:nvPr>
             <p:ph type="title"/>
@@ -15822,7 +15874,7 @@
       </p:sp>
       <p:pic>
         <p:nvPicPr>
-          <p:cNvPr id="68" name="Google Shape;68;g2f615a3eae8_0_25"/>
+          <p:cNvPr id="69" name="Google Shape;69;g2f615a3eae8_0_25"/>
           <p:cNvPicPr preferRelativeResize="0"/>
           <p:nvPr/>
         </p:nvPicPr>
@@ -15860,7 +15912,7 @@
   <p:cSld>
     <p:spTree>
       <p:nvGrpSpPr>
-        <p:cNvPr id="72" name="Shape 72"/>
+        <p:cNvPr id="73" name="Shape 73"/>
         <p:cNvGrpSpPr/>
         <p:nvPr/>
       </p:nvGrpSpPr>
@@ -15874,7 +15926,7 @@
       </p:grpSpPr>
       <p:sp>
         <p:nvSpPr>
-          <p:cNvPr id="73" name="Google Shape;73;g2fd87296955_0_15"/>
+          <p:cNvPr id="74" name="Google Shape;74;g2fd87296955_0_15"/>
           <p:cNvSpPr txBox="1"/>
           <p:nvPr>
             <p:ph type="title"/>
@@ -15932,7 +15984,7 @@
       </p:sp>
       <p:pic>
         <p:nvPicPr>
-          <p:cNvPr descr="Bruce Lee Be As Water Philosophy video.&#10;http://www.aqualogixfitness.com" id="74" name="Google Shape;74;g2fd87296955_0_15" title="Bruce Lee Be As Water My Friend">
+          <p:cNvPr descr="Bruce Lee Be As Water Philosophy video.&#10;http://www.aqualogixfitness.com" id="75" name="Google Shape;75;g2fd87296955_0_15" title="Bruce Lee Be As Water My Friend">
             <a:hlinkClick r:id="rId3"/>
           </p:cNvPr>
           <p:cNvPicPr preferRelativeResize="0"/>
@@ -15999,7 +16051,7 @@
                                           </p:stCondLst>
                                         </p:cTn>
                                         <p:tgtEl>
-                                          <p:spTgt spid="74"/>
+                                          <p:spTgt spid="75"/>
                                         </p:tgtEl>
                                         <p:attrNameLst>
                                           <p:attrName>style.visibility</p:attrName>
@@ -16013,7 +16065,7 @@
                                       <p:cBhvr>
                                         <p:cTn dur="1000"/>
                                         <p:tgtEl>
-                                          <p:spTgt spid="74"/>
+                                          <p:spTgt spid="75"/>
                                         </p:tgtEl>
                                       </p:cBhvr>
                                     </p:animEffect>
@@ -16056,7 +16108,7 @@
   <p:cSld>
     <p:spTree>
       <p:nvGrpSpPr>
-        <p:cNvPr id="78" name="Shape 78"/>
+        <p:cNvPr id="79" name="Shape 79"/>
         <p:cNvGrpSpPr/>
         <p:nvPr/>
       </p:nvGrpSpPr>
@@ -16070,7 +16122,7 @@
       </p:grpSpPr>
       <p:sp>
         <p:nvSpPr>
-          <p:cNvPr id="79" name="Google Shape;79;g2fd87296955_0_21"/>
+          <p:cNvPr id="80" name="Google Shape;80;g2fd87296955_0_21"/>
           <p:cNvSpPr txBox="1"/>
           <p:nvPr>
             <p:ph type="title"/>
@@ -16128,7 +16180,7 @@
       </p:sp>
       <p:sp>
         <p:nvSpPr>
-          <p:cNvPr id="80" name="Google Shape;80;g2fd87296955_0_21"/>
+          <p:cNvPr id="81" name="Google Shape;81;g2fd87296955_0_21"/>
           <p:cNvSpPr txBox="1"/>
           <p:nvPr/>
         </p:nvSpPr>
@@ -16229,7 +16281,7 @@
       </p:sp>
       <p:pic>
         <p:nvPicPr>
-          <p:cNvPr id="81" name="Google Shape;81;g2fd87296955_0_21"/>
+          <p:cNvPr id="82" name="Google Shape;82;g2fd87296955_0_21"/>
           <p:cNvPicPr preferRelativeResize="0"/>
           <p:nvPr/>
         </p:nvPicPr>
@@ -16256,7 +16308,7 @@
       </p:pic>
       <p:sp>
         <p:nvSpPr>
-          <p:cNvPr id="82" name="Google Shape;82;g2fd87296955_0_21"/>
+          <p:cNvPr id="83" name="Google Shape;83;g2fd87296955_0_21"/>
           <p:cNvSpPr txBox="1"/>
           <p:nvPr/>
         </p:nvSpPr>
@@ -16445,7 +16497,7 @@
   <p:cSld>
     <p:spTree>
       <p:nvGrpSpPr>
-        <p:cNvPr id="86" name="Shape 86"/>
+        <p:cNvPr id="87" name="Shape 87"/>
         <p:cNvGrpSpPr/>
         <p:nvPr/>
       </p:nvGrpSpPr>
@@ -16459,7 +16511,7 @@
       </p:grpSpPr>
       <p:sp>
         <p:nvSpPr>
-          <p:cNvPr id="87" name="Google Shape;87;g2fd87296955_0_31"/>
+          <p:cNvPr id="88" name="Google Shape;88;g2fd87296955_0_31"/>
           <p:cNvSpPr txBox="1"/>
           <p:nvPr>
             <p:ph type="title"/>
@@ -16517,7 +16569,7 @@
       </p:sp>
       <p:pic>
         <p:nvPicPr>
-          <p:cNvPr id="88" name="Google Shape;88;g2fd87296955_0_31"/>
+          <p:cNvPr id="89" name="Google Shape;89;g2fd87296955_0_31"/>
           <p:cNvPicPr preferRelativeResize="0"/>
           <p:nvPr/>
         </p:nvPicPr>
@@ -16545,7 +16597,7 @@
       </p:pic>
       <p:pic>
         <p:nvPicPr>
-          <p:cNvPr id="89" name="Google Shape;89;g2fd87296955_0_31"/>
+          <p:cNvPr id="90" name="Google Shape;90;g2fd87296955_0_31"/>
           <p:cNvPicPr preferRelativeResize="0"/>
           <p:nvPr/>
         </p:nvPicPr>
@@ -16573,7 +16625,7 @@
       </p:pic>
       <p:sp>
         <p:nvSpPr>
-          <p:cNvPr id="90" name="Google Shape;90;g2fd87296955_0_31"/>
+          <p:cNvPr id="91" name="Google Shape;91;g2fd87296955_0_31"/>
           <p:cNvSpPr txBox="1"/>
           <p:nvPr/>
         </p:nvSpPr>
@@ -16636,7 +16688,7 @@
   <p:cSld>
     <p:spTree>
       <p:nvGrpSpPr>
-        <p:cNvPr id="94" name="Shape 94"/>
+        <p:cNvPr id="95" name="Shape 95"/>
         <p:cNvGrpSpPr/>
         <p:nvPr/>
       </p:nvGrpSpPr>
@@ -16650,7 +16702,7 @@
       </p:grpSpPr>
       <p:sp>
         <p:nvSpPr>
-          <p:cNvPr id="95" name="Google Shape;95;g2fd87296955_0_40"/>
+          <p:cNvPr id="96" name="Google Shape;96;g2fd87296955_0_40"/>
           <p:cNvSpPr txBox="1"/>
           <p:nvPr>
             <p:ph type="title"/>
@@ -16708,7 +16760,7 @@
       </p:sp>
       <p:sp>
         <p:nvSpPr>
-          <p:cNvPr id="96" name="Google Shape;96;g2fd87296955_0_40"/>
+          <p:cNvPr id="97" name="Google Shape;97;g2fd87296955_0_40"/>
           <p:cNvSpPr txBox="1"/>
           <p:nvPr/>
         </p:nvSpPr>
@@ -16967,7 +17019,7 @@
   <p:cSld>
     <p:spTree>
       <p:nvGrpSpPr>
-        <p:cNvPr id="100" name="Shape 100"/>
+        <p:cNvPr id="101" name="Shape 101"/>
         <p:cNvGrpSpPr/>
         <p:nvPr/>
       </p:nvGrpSpPr>
@@ -16981,7 +17033,7 @@
       </p:grpSpPr>
       <p:sp>
         <p:nvSpPr>
-          <p:cNvPr id="101" name="Google Shape;101;g2fd87296955_0_72"/>
+          <p:cNvPr id="102" name="Google Shape;102;g2fd87296955_0_72"/>
           <p:cNvSpPr txBox="1"/>
           <p:nvPr>
             <p:ph type="title"/>
@@ -17039,7 +17091,7 @@
       </p:sp>
       <p:sp>
         <p:nvSpPr>
-          <p:cNvPr id="102" name="Google Shape;102;g2fd87296955_0_72"/>
+          <p:cNvPr id="103" name="Google Shape;103;g2fd87296955_0_72"/>
           <p:cNvSpPr txBox="1"/>
           <p:nvPr/>
         </p:nvSpPr>
@@ -17552,7 +17604,7 @@
   <p:cSld>
     <p:spTree>
       <p:nvGrpSpPr>
-        <p:cNvPr id="106" name="Shape 106"/>
+        <p:cNvPr id="107" name="Shape 107"/>
         <p:cNvGrpSpPr/>
         <p:nvPr/>
       </p:nvGrpSpPr>
@@ -17566,7 +17618,7 @@
       </p:grpSpPr>
       <p:sp>
         <p:nvSpPr>
-          <p:cNvPr id="107" name="Google Shape;107;g2fd87296955_0_77"/>
+          <p:cNvPr id="108" name="Google Shape;108;g2fd87296955_0_77"/>
           <p:cNvSpPr txBox="1"/>
           <p:nvPr>
             <p:ph type="title"/>
@@ -17624,7 +17676,7 @@
       </p:sp>
       <p:pic>
         <p:nvPicPr>
-          <p:cNvPr id="108" name="Google Shape;108;g2fd87296955_0_77"/>
+          <p:cNvPr id="109" name="Google Shape;109;g2fd87296955_0_77"/>
           <p:cNvPicPr preferRelativeResize="0"/>
           <p:nvPr/>
         </p:nvPicPr>
@@ -17651,7 +17703,7 @@
       </p:pic>
       <p:sp>
         <p:nvSpPr>
-          <p:cNvPr id="109" name="Google Shape;109;g2fd87296955_0_77"/>
+          <p:cNvPr id="110" name="Google Shape;110;g2fd87296955_0_77"/>
           <p:cNvSpPr txBox="1"/>
           <p:nvPr/>
         </p:nvSpPr>

--- a/CSCI-111/week-5/week-5-lecture/week-5-lecture.pptx
+++ b/CSCI-111/week-5/week-5-lecture/week-5-lecture.pptx
@@ -273,7 +273,7 @@
       </p15:sldGuideLst>
     </p:ext>
     <p:ext uri="GoogleSlidesCustomDataVersion2">
-      <go:slidesCustomData xmlns:go="http://customooxmlschemas.google.com/" r:id="rId23" roundtripDataSignature="AMtx7miYso531rxTqNmtKcSm54O07yrmmg=="/>
+      <go:slidesCustomData xmlns:go="http://customooxmlschemas.google.com/" r:id="rId23" roundtripDataSignature="AMtx7mhHUtwKDgPdLRtZU9yRduSmN6bMvg=="/>
     </p:ext>
   </p:extLst>
 </p:presentation>
@@ -962,7 +962,7 @@
   <p:cSld>
     <p:spTree>
       <p:nvGrpSpPr>
-        <p:cNvPr id="113" name="Shape 113"/>
+        <p:cNvPr id="114" name="Shape 114"/>
         <p:cNvGrpSpPr/>
         <p:nvPr/>
       </p:nvGrpSpPr>
@@ -976,7 +976,7 @@
       </p:grpSpPr>
       <p:sp>
         <p:nvSpPr>
-          <p:cNvPr id="114" name="Google Shape;114;g2fd87296955_0_87:notes"/>
+          <p:cNvPr id="115" name="Google Shape;115;g2fd87296955_0_87:notes"/>
           <p:cNvSpPr/>
           <p:nvPr>
             <p:ph idx="2" type="sldImg"/>
@@ -1021,7 +1021,7 @@
       </p:sp>
       <p:sp>
         <p:nvSpPr>
-          <p:cNvPr id="115" name="Google Shape;115;g2fd87296955_0_87:notes"/>
+          <p:cNvPr id="116" name="Google Shape;116;g2fd87296955_0_87:notes"/>
           <p:cNvSpPr txBox="1"/>
           <p:nvPr>
             <p:ph idx="1" type="body"/>
@@ -1079,7 +1079,7 @@
   <p:cSld>
     <p:spTree>
       <p:nvGrpSpPr>
-        <p:cNvPr id="120" name="Shape 120"/>
+        <p:cNvPr id="121" name="Shape 121"/>
         <p:cNvGrpSpPr/>
         <p:nvPr/>
       </p:nvGrpSpPr>
@@ -1093,7 +1093,7 @@
       </p:grpSpPr>
       <p:sp>
         <p:nvSpPr>
-          <p:cNvPr id="121" name="Google Shape;121;g2fd87296955_0_47:notes"/>
+          <p:cNvPr id="122" name="Google Shape;122;g2fd87296955_0_47:notes"/>
           <p:cNvSpPr/>
           <p:nvPr>
             <p:ph idx="2" type="sldImg"/>
@@ -1128,7 +1128,7 @@
       </p:sp>
       <p:sp>
         <p:nvSpPr>
-          <p:cNvPr id="122" name="Google Shape;122;g2fd87296955_0_47:notes"/>
+          <p:cNvPr id="123" name="Google Shape;123;g2fd87296955_0_47:notes"/>
           <p:cNvSpPr txBox="1"/>
           <p:nvPr>
             <p:ph idx="1" type="body"/>
@@ -1178,7 +1178,7 @@
   <p:cSld>
     <p:spTree>
       <p:nvGrpSpPr>
-        <p:cNvPr id="126" name="Shape 126"/>
+        <p:cNvPr id="127" name="Shape 127"/>
         <p:cNvGrpSpPr/>
         <p:nvPr/>
       </p:nvGrpSpPr>
@@ -1192,7 +1192,7 @@
       </p:grpSpPr>
       <p:sp>
         <p:nvSpPr>
-          <p:cNvPr id="127" name="Google Shape;127;g2fd87296955_0_96:notes"/>
+          <p:cNvPr id="128" name="Google Shape;128;g2fd87296955_0_96:notes"/>
           <p:cNvSpPr/>
           <p:nvPr>
             <p:ph idx="2" type="sldImg"/>
@@ -1227,7 +1227,7 @@
       </p:sp>
       <p:sp>
         <p:nvSpPr>
-          <p:cNvPr id="128" name="Google Shape;128;g2fd87296955_0_96:notes"/>
+          <p:cNvPr id="129" name="Google Shape;129;g2fd87296955_0_96:notes"/>
           <p:cNvSpPr txBox="1"/>
           <p:nvPr>
             <p:ph idx="1" type="body"/>
@@ -1277,7 +1277,7 @@
   <p:cSld>
     <p:spTree>
       <p:nvGrpSpPr>
-        <p:cNvPr id="135" name="Shape 135"/>
+        <p:cNvPr id="136" name="Shape 136"/>
         <p:cNvGrpSpPr/>
         <p:nvPr/>
       </p:nvGrpSpPr>
@@ -1291,7 +1291,7 @@
       </p:grpSpPr>
       <p:sp>
         <p:nvSpPr>
-          <p:cNvPr id="136" name="Google Shape;136;g2fd87296955_0_101:notes"/>
+          <p:cNvPr id="137" name="Google Shape;137;g2fd87296955_0_101:notes"/>
           <p:cNvSpPr/>
           <p:nvPr>
             <p:ph idx="2" type="sldImg"/>
@@ -1326,7 +1326,7 @@
       </p:sp>
       <p:sp>
         <p:nvSpPr>
-          <p:cNvPr id="137" name="Google Shape;137;g2fd87296955_0_101:notes"/>
+          <p:cNvPr id="138" name="Google Shape;138;g2fd87296955_0_101:notes"/>
           <p:cNvSpPr txBox="1"/>
           <p:nvPr>
             <p:ph idx="1" type="body"/>
@@ -1376,7 +1376,7 @@
   <p:cSld>
     <p:spTree>
       <p:nvGrpSpPr>
-        <p:cNvPr id="144" name="Shape 144"/>
+        <p:cNvPr id="145" name="Shape 145"/>
         <p:cNvGrpSpPr/>
         <p:nvPr/>
       </p:nvGrpSpPr>
@@ -1390,7 +1390,7 @@
       </p:grpSpPr>
       <p:sp>
         <p:nvSpPr>
-          <p:cNvPr id="145" name="Google Shape;145;g2fd87296955_0_106:notes"/>
+          <p:cNvPr id="146" name="Google Shape;146;g2fd87296955_0_106:notes"/>
           <p:cNvSpPr/>
           <p:nvPr>
             <p:ph idx="2" type="sldImg"/>
@@ -1425,7 +1425,7 @@
       </p:sp>
       <p:sp>
         <p:nvSpPr>
-          <p:cNvPr id="146" name="Google Shape;146;g2fd87296955_0_106:notes"/>
+          <p:cNvPr id="147" name="Google Shape;147;g2fd87296955_0_106:notes"/>
           <p:cNvSpPr txBox="1"/>
           <p:nvPr>
             <p:ph idx="1" type="body"/>
@@ -1475,7 +1475,7 @@
   <p:cSld>
     <p:spTree>
       <p:nvGrpSpPr>
-        <p:cNvPr id="151" name="Shape 151"/>
+        <p:cNvPr id="152" name="Shape 152"/>
         <p:cNvGrpSpPr/>
         <p:nvPr/>
       </p:nvGrpSpPr>
@@ -1489,7 +1489,7 @@
       </p:grpSpPr>
       <p:sp>
         <p:nvSpPr>
-          <p:cNvPr id="152" name="Google Shape;152;g2fd87296955_1_9:notes"/>
+          <p:cNvPr id="153" name="Google Shape;153;g2fd87296955_1_9:notes"/>
           <p:cNvSpPr/>
           <p:nvPr>
             <p:ph idx="2" type="sldImg"/>
@@ -1524,7 +1524,7 @@
       </p:sp>
       <p:sp>
         <p:nvSpPr>
-          <p:cNvPr id="153" name="Google Shape;153;g2fd87296955_1_9:notes"/>
+          <p:cNvPr id="154" name="Google Shape;154;g2fd87296955_1_9:notes"/>
           <p:cNvSpPr txBox="1"/>
           <p:nvPr>
             <p:ph idx="1" type="body"/>
@@ -1574,7 +1574,7 @@
   <p:cSld>
     <p:spTree>
       <p:nvGrpSpPr>
-        <p:cNvPr id="157" name="Shape 157"/>
+        <p:cNvPr id="158" name="Shape 158"/>
         <p:cNvGrpSpPr/>
         <p:nvPr/>
       </p:nvGrpSpPr>
@@ -1588,7 +1588,7 @@
       </p:grpSpPr>
       <p:sp>
         <p:nvSpPr>
-          <p:cNvPr id="158" name="Google Shape;158;g333bba2404a_0_0:notes"/>
+          <p:cNvPr id="159" name="Google Shape;159;g333bba2404a_0_0:notes"/>
           <p:cNvSpPr/>
           <p:nvPr>
             <p:ph idx="2" type="sldImg"/>
@@ -1623,7 +1623,7 @@
       </p:sp>
       <p:sp>
         <p:nvSpPr>
-          <p:cNvPr id="159" name="Google Shape;159;g333bba2404a_0_0:notes"/>
+          <p:cNvPr id="160" name="Google Shape;160;g333bba2404a_0_0:notes"/>
           <p:cNvSpPr txBox="1"/>
           <p:nvPr>
             <p:ph idx="1" type="body"/>
@@ -1673,7 +1673,7 @@
   <p:cSld>
     <p:spTree>
       <p:nvGrpSpPr>
-        <p:cNvPr id="163" name="Shape 163"/>
+        <p:cNvPr id="164" name="Shape 164"/>
         <p:cNvGrpSpPr/>
         <p:nvPr/>
       </p:nvGrpSpPr>
@@ -1687,7 +1687,7 @@
       </p:grpSpPr>
       <p:sp>
         <p:nvSpPr>
-          <p:cNvPr id="164" name="Google Shape;164;g2f62552a751_0_76:notes"/>
+          <p:cNvPr id="165" name="Google Shape;165;g2f62552a751_0_76:notes"/>
           <p:cNvSpPr/>
           <p:nvPr>
             <p:ph idx="2" type="sldImg"/>
@@ -1732,7 +1732,7 @@
       </p:sp>
       <p:sp>
         <p:nvSpPr>
-          <p:cNvPr id="165" name="Google Shape;165;g2f62552a751_0_76:notes"/>
+          <p:cNvPr id="166" name="Google Shape;166;g2f62552a751_0_76:notes"/>
           <p:cNvSpPr txBox="1"/>
           <p:nvPr>
             <p:ph idx="1" type="body"/>
@@ -2141,7 +2141,7 @@
   <p:cSld>
     <p:spTree>
       <p:nvGrpSpPr>
-        <p:cNvPr id="76" name="Shape 76"/>
+        <p:cNvPr id="77" name="Shape 77"/>
         <p:cNvGrpSpPr/>
         <p:nvPr/>
       </p:nvGrpSpPr>
@@ -2155,7 +2155,7 @@
       </p:grpSpPr>
       <p:sp>
         <p:nvSpPr>
-          <p:cNvPr id="77" name="Google Shape;77;g2fd87296955_0_21:notes"/>
+          <p:cNvPr id="78" name="Google Shape;78;g2fd87296955_0_21:notes"/>
           <p:cNvSpPr/>
           <p:nvPr>
             <p:ph idx="2" type="sldImg"/>
@@ -2200,7 +2200,7 @@
       </p:sp>
       <p:sp>
         <p:nvSpPr>
-          <p:cNvPr id="78" name="Google Shape;78;g2fd87296955_0_21:notes"/>
+          <p:cNvPr id="79" name="Google Shape;79;g2fd87296955_0_21:notes"/>
           <p:cNvSpPr txBox="1"/>
           <p:nvPr>
             <p:ph idx="1" type="body"/>
@@ -2258,7 +2258,7 @@
   <p:cSld>
     <p:spTree>
       <p:nvGrpSpPr>
-        <p:cNvPr id="84" name="Shape 84"/>
+        <p:cNvPr id="85" name="Shape 85"/>
         <p:cNvGrpSpPr/>
         <p:nvPr/>
       </p:nvGrpSpPr>
@@ -2272,7 +2272,7 @@
       </p:grpSpPr>
       <p:sp>
         <p:nvSpPr>
-          <p:cNvPr id="85" name="Google Shape;85;g2fd87296955_0_31:notes"/>
+          <p:cNvPr id="86" name="Google Shape;86;g2fd87296955_0_31:notes"/>
           <p:cNvSpPr/>
           <p:nvPr>
             <p:ph idx="2" type="sldImg"/>
@@ -2317,7 +2317,7 @@
       </p:sp>
       <p:sp>
         <p:nvSpPr>
-          <p:cNvPr id="86" name="Google Shape;86;g2fd87296955_0_31:notes"/>
+          <p:cNvPr id="87" name="Google Shape;87;g2fd87296955_0_31:notes"/>
           <p:cNvSpPr txBox="1"/>
           <p:nvPr>
             <p:ph idx="1" type="body"/>
@@ -2375,7 +2375,7 @@
   <p:cSld>
     <p:spTree>
       <p:nvGrpSpPr>
-        <p:cNvPr id="92" name="Shape 92"/>
+        <p:cNvPr id="93" name="Shape 93"/>
         <p:cNvGrpSpPr/>
         <p:nvPr/>
       </p:nvGrpSpPr>
@@ -2389,7 +2389,7 @@
       </p:grpSpPr>
       <p:sp>
         <p:nvSpPr>
-          <p:cNvPr id="93" name="Google Shape;93;g2fd87296955_0_40:notes"/>
+          <p:cNvPr id="94" name="Google Shape;94;g2fd87296955_0_40:notes"/>
           <p:cNvSpPr/>
           <p:nvPr>
             <p:ph idx="2" type="sldImg"/>
@@ -2434,7 +2434,7 @@
       </p:sp>
       <p:sp>
         <p:nvSpPr>
-          <p:cNvPr id="94" name="Google Shape;94;g2fd87296955_0_40:notes"/>
+          <p:cNvPr id="95" name="Google Shape;95;g2fd87296955_0_40:notes"/>
           <p:cNvSpPr txBox="1"/>
           <p:nvPr>
             <p:ph idx="1" type="body"/>
@@ -2492,7 +2492,7 @@
   <p:cSld>
     <p:spTree>
       <p:nvGrpSpPr>
-        <p:cNvPr id="98" name="Shape 98"/>
+        <p:cNvPr id="99" name="Shape 99"/>
         <p:cNvGrpSpPr/>
         <p:nvPr/>
       </p:nvGrpSpPr>
@@ -2506,7 +2506,7 @@
       </p:grpSpPr>
       <p:sp>
         <p:nvSpPr>
-          <p:cNvPr id="99" name="Google Shape;99;g2fd87296955_0_72:notes"/>
+          <p:cNvPr id="100" name="Google Shape;100;g2fd87296955_0_72:notes"/>
           <p:cNvSpPr/>
           <p:nvPr>
             <p:ph idx="2" type="sldImg"/>
@@ -2551,7 +2551,7 @@
       </p:sp>
       <p:sp>
         <p:nvSpPr>
-          <p:cNvPr id="100" name="Google Shape;100;g2fd87296955_0_72:notes"/>
+          <p:cNvPr id="101" name="Google Shape;101;g2fd87296955_0_72:notes"/>
           <p:cNvSpPr txBox="1"/>
           <p:nvPr>
             <p:ph idx="1" type="body"/>
@@ -2609,7 +2609,7 @@
   <p:cSld>
     <p:spTree>
       <p:nvGrpSpPr>
-        <p:cNvPr id="105" name="Shape 105"/>
+        <p:cNvPr id="106" name="Shape 106"/>
         <p:cNvGrpSpPr/>
         <p:nvPr/>
       </p:nvGrpSpPr>
@@ -2623,7 +2623,7 @@
       </p:grpSpPr>
       <p:sp>
         <p:nvSpPr>
-          <p:cNvPr id="106" name="Google Shape;106;g2fd87296955_0_77:notes"/>
+          <p:cNvPr id="107" name="Google Shape;107;g2fd87296955_0_77:notes"/>
           <p:cNvSpPr/>
           <p:nvPr>
             <p:ph idx="2" type="sldImg"/>
@@ -2668,7 +2668,7 @@
       </p:sp>
       <p:sp>
         <p:nvSpPr>
-          <p:cNvPr id="107" name="Google Shape;107;g2fd87296955_0_77:notes"/>
+          <p:cNvPr id="108" name="Google Shape;108;g2fd87296955_0_77:notes"/>
           <p:cNvSpPr txBox="1"/>
           <p:nvPr>
             <p:ph idx="1" type="body"/>
@@ -10944,9 +10944,6 @@
           </a:p>
           <a:p>
             <a:pPr indent="0" lvl="0" marL="0" rtl="0" algn="l">
-              <a:lnSpc>
-                <a:spcPct val="100000"/>
-              </a:lnSpc>
               <a:spcBef>
                 <a:spcPts val="0"/>
               </a:spcBef>
@@ -10967,16 +10964,43 @@
                 <a:cs typeface="Courier New"/>
                 <a:sym typeface="Courier New"/>
               </a:rPr>
-              <a:t>        &lt;</a:t>
-            </a:r>
-            <a:r>
-              <a:rPr b="1" lang="en" sz="1800">
+              <a:t>        </a:t>
+            </a:r>
+            <a:r>
+              <a:rPr lang="en" sz="1800">
+                <a:solidFill>
+                  <a:schemeClr val="dk2"/>
+                </a:solidFill>
                 <a:latin typeface="Courier New"/>
                 <a:ea typeface="Courier New"/>
                 <a:cs typeface="Courier New"/>
                 <a:sym typeface="Courier New"/>
               </a:rPr>
+              <a:t>&lt;</a:t>
+            </a:r>
+            <a:r>
+              <a:rPr b="1" lang="en" sz="1800">
+                <a:solidFill>
+                  <a:srgbClr val="3C78D8"/>
+                </a:solidFill>
+                <a:latin typeface="Courier New"/>
+                <a:ea typeface="Courier New"/>
+                <a:cs typeface="Courier New"/>
+                <a:sym typeface="Courier New"/>
+              </a:rPr>
               <a:t>li</a:t>
+            </a:r>
+            <a:r>
+              <a:rPr lang="en" sz="1800">
+                <a:solidFill>
+                  <a:schemeClr val="dk2"/>
+                </a:solidFill>
+                <a:latin typeface="Courier New"/>
+                <a:ea typeface="Courier New"/>
+                <a:cs typeface="Courier New"/>
+                <a:sym typeface="Courier New"/>
+              </a:rPr>
+              <a:t>&gt;</a:t>
             </a:r>
             <a:r>
               <a:rPr lang="en" sz="1800">
@@ -10985,27 +11009,48 @@
                 <a:cs typeface="Courier New"/>
                 <a:sym typeface="Courier New"/>
               </a:rPr>
-              <a:t>&gt;Talgat Manglayev&lt;/</a:t>
-            </a:r>
-            <a:r>
-              <a:rPr b="1" lang="en" sz="1800">
+              <a:t> Dr. Talgat Manglayev</a:t>
+            </a:r>
+            <a:r>
+              <a:rPr lang="en" sz="1800">
+                <a:solidFill>
+                  <a:schemeClr val="dk2"/>
+                </a:solidFill>
                 <a:latin typeface="Courier New"/>
                 <a:ea typeface="Courier New"/>
                 <a:cs typeface="Courier New"/>
                 <a:sym typeface="Courier New"/>
               </a:rPr>
-              <a:t>li</a:t>
-            </a:r>
-            <a:r>
-              <a:rPr lang="en" sz="1800">
+              <a:t>&lt;/</a:t>
+            </a:r>
+            <a:r>
+              <a:rPr b="1" lang="en" sz="1800">
+                <a:solidFill>
+                  <a:srgbClr val="3C78D8"/>
+                </a:solidFill>
                 <a:latin typeface="Courier New"/>
                 <a:ea typeface="Courier New"/>
                 <a:cs typeface="Courier New"/>
                 <a:sym typeface="Courier New"/>
               </a:rPr>
+              <a:t>li</a:t>
+            </a:r>
+            <a:r>
+              <a:rPr lang="en" sz="1800">
+                <a:solidFill>
+                  <a:schemeClr val="dk2"/>
+                </a:solidFill>
+                <a:latin typeface="Courier New"/>
+                <a:ea typeface="Courier New"/>
+                <a:cs typeface="Courier New"/>
+                <a:sym typeface="Courier New"/>
+              </a:rPr>
               <a:t>&gt;</a:t>
             </a:r>
             <a:endParaRPr sz="1800">
+              <a:solidFill>
+                <a:schemeClr val="dk2"/>
+              </a:solidFill>
               <a:latin typeface="Courier New"/>
               <a:ea typeface="Courier New"/>
               <a:cs typeface="Courier New"/>
@@ -11014,9 +11059,6 @@
           </a:p>
           <a:p>
             <a:pPr indent="0" lvl="0" marL="0" rtl="0" algn="l">
-              <a:lnSpc>
-                <a:spcPct val="100000"/>
-              </a:lnSpc>
               <a:spcBef>
                 <a:spcPts val="0"/>
               </a:spcBef>
@@ -11037,16 +11079,43 @@
                 <a:cs typeface="Courier New"/>
                 <a:sym typeface="Courier New"/>
               </a:rPr>
-              <a:t>        &lt;</a:t>
-            </a:r>
-            <a:r>
-              <a:rPr b="1" lang="en" sz="1800">
+              <a:t>        </a:t>
+            </a:r>
+            <a:r>
+              <a:rPr lang="en" sz="1800">
+                <a:solidFill>
+                  <a:schemeClr val="dk2"/>
+                </a:solidFill>
                 <a:latin typeface="Courier New"/>
                 <a:ea typeface="Courier New"/>
                 <a:cs typeface="Courier New"/>
                 <a:sym typeface="Courier New"/>
               </a:rPr>
+              <a:t>&lt;</a:t>
+            </a:r>
+            <a:r>
+              <a:rPr b="1" lang="en" sz="1800">
+                <a:solidFill>
+                  <a:srgbClr val="3C78D8"/>
+                </a:solidFill>
+                <a:latin typeface="Courier New"/>
+                <a:ea typeface="Courier New"/>
+                <a:cs typeface="Courier New"/>
+                <a:sym typeface="Courier New"/>
+              </a:rPr>
               <a:t>li</a:t>
+            </a:r>
+            <a:r>
+              <a:rPr lang="en" sz="1800">
+                <a:solidFill>
+                  <a:schemeClr val="dk2"/>
+                </a:solidFill>
+                <a:latin typeface="Courier New"/>
+                <a:ea typeface="Courier New"/>
+                <a:cs typeface="Courier New"/>
+                <a:sym typeface="Courier New"/>
+              </a:rPr>
+              <a:t>&gt;</a:t>
             </a:r>
             <a:r>
               <a:rPr lang="en" sz="1800">
@@ -11055,27 +11124,48 @@
                 <a:cs typeface="Courier New"/>
                 <a:sym typeface="Courier New"/>
               </a:rPr>
-              <a:t>&gt;Irina Dolzhikova&lt;/</a:t>
-            </a:r>
-            <a:r>
-              <a:rPr b="1" lang="en" sz="1800">
+              <a:t> Dr. Irina Dolzhikova</a:t>
+            </a:r>
+            <a:r>
+              <a:rPr lang="en" sz="1800">
+                <a:solidFill>
+                  <a:schemeClr val="dk2"/>
+                </a:solidFill>
                 <a:latin typeface="Courier New"/>
                 <a:ea typeface="Courier New"/>
                 <a:cs typeface="Courier New"/>
                 <a:sym typeface="Courier New"/>
               </a:rPr>
-              <a:t>li</a:t>
-            </a:r>
-            <a:r>
-              <a:rPr lang="en" sz="1800">
+              <a:t>&lt;/</a:t>
+            </a:r>
+            <a:r>
+              <a:rPr b="1" lang="en" sz="1800">
+                <a:solidFill>
+                  <a:srgbClr val="3C78D8"/>
+                </a:solidFill>
                 <a:latin typeface="Courier New"/>
                 <a:ea typeface="Courier New"/>
                 <a:cs typeface="Courier New"/>
                 <a:sym typeface="Courier New"/>
               </a:rPr>
+              <a:t>li</a:t>
+            </a:r>
+            <a:r>
+              <a:rPr lang="en" sz="1800">
+                <a:solidFill>
+                  <a:schemeClr val="dk2"/>
+                </a:solidFill>
+                <a:latin typeface="Courier New"/>
+                <a:ea typeface="Courier New"/>
+                <a:cs typeface="Courier New"/>
+                <a:sym typeface="Courier New"/>
+              </a:rPr>
               <a:t>&gt;</a:t>
             </a:r>
             <a:endParaRPr sz="1800">
+              <a:solidFill>
+                <a:schemeClr val="dk2"/>
+              </a:solidFill>
               <a:latin typeface="Courier New"/>
               <a:ea typeface="Courier New"/>
               <a:cs typeface="Courier New"/>
@@ -11084,16 +11174,17 @@
           </a:p>
           <a:p>
             <a:pPr indent="0" lvl="0" marL="0" rtl="0" algn="l">
-              <a:lnSpc>
-                <a:spcPct val="100000"/>
-              </a:lnSpc>
-              <a:spcBef>
-                <a:spcPts val="0"/>
-              </a:spcBef>
-              <a:spcAft>
-                <a:spcPts val="0"/>
-              </a:spcAft>
+              <a:spcBef>
+                <a:spcPts val="0"/>
+              </a:spcBef>
+              <a:spcAft>
+                <a:spcPts val="0"/>
+              </a:spcAft>
+              <a:buClr>
+                <a:schemeClr val="dk1"/>
+              </a:buClr>
               <a:buSzPts val="5200"/>
+              <a:buFont typeface="Arial"/>
               <a:buNone/>
             </a:pPr>
             <a:r>
@@ -11103,16 +11194,43 @@
                 <a:cs typeface="Courier New"/>
                 <a:sym typeface="Courier New"/>
               </a:rPr>
-              <a:t>        &lt;</a:t>
-            </a:r>
-            <a:r>
-              <a:rPr b="1" lang="en" sz="1800">
+              <a:t>        </a:t>
+            </a:r>
+            <a:r>
+              <a:rPr lang="en" sz="1800">
+                <a:solidFill>
+                  <a:schemeClr val="dk2"/>
+                </a:solidFill>
                 <a:latin typeface="Courier New"/>
                 <a:ea typeface="Courier New"/>
                 <a:cs typeface="Courier New"/>
                 <a:sym typeface="Courier New"/>
               </a:rPr>
+              <a:t>&lt;</a:t>
+            </a:r>
+            <a:r>
+              <a:rPr b="1" lang="en" sz="1800">
+                <a:solidFill>
+                  <a:srgbClr val="3C78D8"/>
+                </a:solidFill>
+                <a:latin typeface="Courier New"/>
+                <a:ea typeface="Courier New"/>
+                <a:cs typeface="Courier New"/>
+                <a:sym typeface="Courier New"/>
+              </a:rPr>
               <a:t>li</a:t>
+            </a:r>
+            <a:r>
+              <a:rPr lang="en" sz="1800">
+                <a:solidFill>
+                  <a:schemeClr val="dk2"/>
+                </a:solidFill>
+                <a:latin typeface="Courier New"/>
+                <a:ea typeface="Courier New"/>
+                <a:cs typeface="Courier New"/>
+                <a:sym typeface="Courier New"/>
+              </a:rPr>
+              <a:t>&gt;</a:t>
             </a:r>
             <a:r>
               <a:rPr lang="en" sz="1800">
@@ -11121,10 +11239,13 @@
                 <a:cs typeface="Courier New"/>
                 <a:sym typeface="Courier New"/>
               </a:rPr>
-              <a:t>&gt;Aigerim Yessenbayeva&lt;/</a:t>
+              <a:t> Dr. Syed Muhammad Umair Arif&lt;/</a:t>
             </a:r>
             <a:r>
               <a:rPr b="1" lang="en" sz="1800">
+                <a:solidFill>
+                  <a:srgbClr val="3C78D8"/>
+                </a:solidFill>
                 <a:latin typeface="Courier New"/>
                 <a:ea typeface="Courier New"/>
                 <a:cs typeface="Courier New"/>
@@ -11134,6 +11255,9 @@
             </a:r>
             <a:r>
               <a:rPr lang="en" sz="1800">
+                <a:solidFill>
+                  <a:schemeClr val="dk2"/>
+                </a:solidFill>
                 <a:latin typeface="Courier New"/>
                 <a:ea typeface="Courier New"/>
                 <a:cs typeface="Courier New"/>
@@ -11308,13 +11432,13 @@
           <a:blip r:embed="rId3">
             <a:alphaModFix/>
           </a:blip>
-          <a:srcRect b="12709" l="0" r="0" t="0"/>
+          <a:srcRect b="12709" l="0" r="9551" t="0"/>
           <a:stretch/>
         </p:blipFill>
         <p:spPr>
           <a:xfrm>
-            <a:off x="5594050" y="1474801"/>
-            <a:ext cx="3549950" cy="1915075"/>
+            <a:off x="5933075" y="1179350"/>
+            <a:ext cx="3210925" cy="1915075"/>
           </a:xfrm>
           <a:prstGeom prst="rect">
             <a:avLst/>
@@ -11333,8 +11457,8 @@
         </p:nvSpPr>
         <p:spPr>
           <a:xfrm>
-            <a:off x="5594050" y="3052350"/>
-            <a:ext cx="2234700" cy="843900"/>
+            <a:off x="5933075" y="2684275"/>
+            <a:ext cx="2234700" cy="439500"/>
           </a:xfrm>
           <a:prstGeom prst="rect">
             <a:avLst/>
@@ -11381,7 +11505,7 @@
   <p:cSld>
     <p:spTree>
       <p:nvGrpSpPr>
-        <p:cNvPr id="116" name="Shape 116"/>
+        <p:cNvPr id="117" name="Shape 117"/>
         <p:cNvGrpSpPr/>
         <p:nvPr/>
       </p:nvGrpSpPr>
@@ -11395,7 +11519,7 @@
       </p:grpSpPr>
       <p:sp>
         <p:nvSpPr>
-          <p:cNvPr id="117" name="Google Shape;117;g2fd87296955_0_87"/>
+          <p:cNvPr id="118" name="Google Shape;118;g2fd87296955_0_87"/>
           <p:cNvSpPr txBox="1"/>
           <p:nvPr>
             <p:ph type="title"/>
@@ -11453,7 +11577,7 @@
       </p:sp>
       <p:sp>
         <p:nvSpPr>
-          <p:cNvPr id="118" name="Google Shape;118;g2fd87296955_0_87"/>
+          <p:cNvPr id="119" name="Google Shape;119;g2fd87296955_0_87"/>
           <p:cNvSpPr txBox="1"/>
           <p:nvPr/>
         </p:nvSpPr>
@@ -11986,7 +12110,7 @@
       </p:sp>
       <p:sp>
         <p:nvSpPr>
-          <p:cNvPr id="119" name="Google Shape;119;g2fd87296955_0_87"/>
+          <p:cNvPr id="120" name="Google Shape;120;g2fd87296955_0_87"/>
           <p:cNvSpPr txBox="1"/>
           <p:nvPr/>
         </p:nvSpPr>
@@ -12049,7 +12173,7 @@
   <p:cSld>
     <p:spTree>
       <p:nvGrpSpPr>
-        <p:cNvPr id="123" name="Shape 123"/>
+        <p:cNvPr id="124" name="Shape 124"/>
         <p:cNvGrpSpPr/>
         <p:nvPr/>
       </p:nvGrpSpPr>
@@ -12063,7 +12187,7 @@
       </p:grpSpPr>
       <p:sp>
         <p:nvSpPr>
-          <p:cNvPr id="124" name="Google Shape;124;g2fd87296955_0_47"/>
+          <p:cNvPr id="125" name="Google Shape;125;g2fd87296955_0_47"/>
           <p:cNvSpPr txBox="1"/>
           <p:nvPr>
             <p:ph type="title"/>
@@ -12114,7 +12238,7 @@
       </p:sp>
       <p:sp>
         <p:nvSpPr>
-          <p:cNvPr id="125" name="Google Shape;125;g2fd87296955_0_47"/>
+          <p:cNvPr id="126" name="Google Shape;126;g2fd87296955_0_47"/>
           <p:cNvSpPr txBox="1"/>
           <p:nvPr>
             <p:ph idx="1" type="body"/>
@@ -12882,7 +13006,7 @@
   <p:cSld>
     <p:spTree>
       <p:nvGrpSpPr>
-        <p:cNvPr id="129" name="Shape 129"/>
+        <p:cNvPr id="130" name="Shape 130"/>
         <p:cNvGrpSpPr/>
         <p:nvPr/>
       </p:nvGrpSpPr>
@@ -12896,7 +13020,7 @@
       </p:grpSpPr>
       <p:sp>
         <p:nvSpPr>
-          <p:cNvPr id="130" name="Google Shape;130;g2fd87296955_0_96"/>
+          <p:cNvPr id="131" name="Google Shape;131;g2fd87296955_0_96"/>
           <p:cNvSpPr txBox="1"/>
           <p:nvPr>
             <p:ph type="title"/>
@@ -12947,7 +13071,7 @@
       </p:sp>
       <p:sp>
         <p:nvSpPr>
-          <p:cNvPr id="131" name="Google Shape;131;g2fd87296955_0_96"/>
+          <p:cNvPr id="132" name="Google Shape;132;g2fd87296955_0_96"/>
           <p:cNvSpPr txBox="1"/>
           <p:nvPr>
             <p:ph idx="1" type="body"/>
@@ -13131,7 +13255,7 @@
       </p:sp>
       <p:pic>
         <p:nvPicPr>
-          <p:cNvPr id="132" name="Google Shape;132;g2fd87296955_0_96"/>
+          <p:cNvPr id="133" name="Google Shape;133;g2fd87296955_0_96"/>
           <p:cNvPicPr preferRelativeResize="0"/>
           <p:nvPr/>
         </p:nvPicPr>
@@ -13158,7 +13282,7 @@
       </p:pic>
       <p:pic>
         <p:nvPicPr>
-          <p:cNvPr id="133" name="Google Shape;133;g2fd87296955_0_96"/>
+          <p:cNvPr id="134" name="Google Shape;134;g2fd87296955_0_96"/>
           <p:cNvPicPr preferRelativeResize="0"/>
           <p:nvPr/>
         </p:nvPicPr>
@@ -13185,7 +13309,7 @@
       </p:pic>
       <p:pic>
         <p:nvPicPr>
-          <p:cNvPr id="134" name="Google Shape;134;g2fd87296955_0_96"/>
+          <p:cNvPr id="135" name="Google Shape;135;g2fd87296955_0_96"/>
           <p:cNvPicPr preferRelativeResize="0"/>
           <p:nvPr/>
         </p:nvPicPr>
@@ -13223,7 +13347,7 @@
   <p:cSld>
     <p:spTree>
       <p:nvGrpSpPr>
-        <p:cNvPr id="138" name="Shape 138"/>
+        <p:cNvPr id="139" name="Shape 139"/>
         <p:cNvGrpSpPr/>
         <p:nvPr/>
       </p:nvGrpSpPr>
@@ -13237,7 +13361,7 @@
       </p:grpSpPr>
       <p:sp>
         <p:nvSpPr>
-          <p:cNvPr id="139" name="Google Shape;139;g2fd87296955_0_101"/>
+          <p:cNvPr id="140" name="Google Shape;140;g2fd87296955_0_101"/>
           <p:cNvSpPr txBox="1"/>
           <p:nvPr>
             <p:ph type="title"/>
@@ -13288,7 +13412,7 @@
       </p:sp>
       <p:sp>
         <p:nvSpPr>
-          <p:cNvPr id="140" name="Google Shape;140;g2fd87296955_0_101"/>
+          <p:cNvPr id="141" name="Google Shape;141;g2fd87296955_0_101"/>
           <p:cNvSpPr txBox="1"/>
           <p:nvPr>
             <p:ph idx="1" type="body"/>
@@ -14248,7 +14372,7 @@
       </p:sp>
       <p:pic>
         <p:nvPicPr>
-          <p:cNvPr id="141" name="Google Shape;141;g2fd87296955_0_101"/>
+          <p:cNvPr id="142" name="Google Shape;142;g2fd87296955_0_101"/>
           <p:cNvPicPr preferRelativeResize="0"/>
           <p:nvPr/>
         </p:nvPicPr>
@@ -14275,7 +14399,7 @@
       </p:pic>
       <p:cxnSp>
         <p:nvCxnSpPr>
-          <p:cNvPr id="142" name="Google Shape;142;g2fd87296955_0_101"/>
+          <p:cNvPr id="143" name="Google Shape;143;g2fd87296955_0_101"/>
           <p:cNvCxnSpPr/>
           <p:nvPr/>
         </p:nvCxnSpPr>
@@ -14301,7 +14425,7 @@
       </p:cxnSp>
       <p:sp>
         <p:nvSpPr>
-          <p:cNvPr id="143" name="Google Shape;143;g2fd87296955_0_101"/>
+          <p:cNvPr id="144" name="Google Shape;144;g2fd87296955_0_101"/>
           <p:cNvSpPr txBox="1"/>
           <p:nvPr/>
         </p:nvSpPr>
@@ -14354,7 +14478,7 @@
   <p:cSld>
     <p:spTree>
       <p:nvGrpSpPr>
-        <p:cNvPr id="147" name="Shape 147"/>
+        <p:cNvPr id="148" name="Shape 148"/>
         <p:cNvGrpSpPr/>
         <p:nvPr/>
       </p:nvGrpSpPr>
@@ -14368,7 +14492,7 @@
       </p:grpSpPr>
       <p:sp>
         <p:nvSpPr>
-          <p:cNvPr id="148" name="Google Shape;148;g2fd87296955_0_106"/>
+          <p:cNvPr id="149" name="Google Shape;149;g2fd87296955_0_106"/>
           <p:cNvSpPr txBox="1"/>
           <p:nvPr>
             <p:ph type="title"/>
@@ -14419,7 +14543,7 @@
       </p:sp>
       <p:sp>
         <p:nvSpPr>
-          <p:cNvPr id="149" name="Google Shape;149;g2fd87296955_0_106"/>
+          <p:cNvPr id="150" name="Google Shape;150;g2fd87296955_0_106"/>
           <p:cNvSpPr txBox="1"/>
           <p:nvPr>
             <p:ph idx="1" type="body"/>
@@ -14640,7 +14764,7 @@
       </p:sp>
       <p:sp>
         <p:nvSpPr>
-          <p:cNvPr id="150" name="Google Shape;150;g2fd87296955_0_106"/>
+          <p:cNvPr id="151" name="Google Shape;151;g2fd87296955_0_106"/>
           <p:cNvSpPr txBox="1"/>
           <p:nvPr/>
         </p:nvSpPr>
@@ -14693,7 +14817,7 @@
   <p:cSld>
     <p:spTree>
       <p:nvGrpSpPr>
-        <p:cNvPr id="154" name="Shape 154"/>
+        <p:cNvPr id="155" name="Shape 155"/>
         <p:cNvGrpSpPr/>
         <p:nvPr/>
       </p:nvGrpSpPr>
@@ -14707,7 +14831,7 @@
       </p:grpSpPr>
       <p:sp>
         <p:nvSpPr>
-          <p:cNvPr id="155" name="Google Shape;155;g2fd87296955_1_9"/>
+          <p:cNvPr id="156" name="Google Shape;156;g2fd87296955_1_9"/>
           <p:cNvSpPr txBox="1"/>
           <p:nvPr>
             <p:ph idx="1" type="body"/>
@@ -15079,7 +15203,7 @@
       </p:sp>
       <p:sp>
         <p:nvSpPr>
-          <p:cNvPr id="156" name="Google Shape;156;g2fd87296955_1_9"/>
+          <p:cNvPr id="157" name="Google Shape;157;g2fd87296955_1_9"/>
           <p:cNvSpPr txBox="1"/>
           <p:nvPr>
             <p:ph type="title"/>
@@ -15141,7 +15265,7 @@
   <p:cSld>
     <p:spTree>
       <p:nvGrpSpPr>
-        <p:cNvPr id="160" name="Shape 160"/>
+        <p:cNvPr id="161" name="Shape 161"/>
         <p:cNvGrpSpPr/>
         <p:nvPr/>
       </p:nvGrpSpPr>
@@ -15155,7 +15279,7 @@
       </p:grpSpPr>
       <p:sp>
         <p:nvSpPr>
-          <p:cNvPr id="161" name="Google Shape;161;g333bba2404a_0_0"/>
+          <p:cNvPr id="162" name="Google Shape;162;g333bba2404a_0_0"/>
           <p:cNvSpPr txBox="1"/>
           <p:nvPr>
             <p:ph type="title"/>
@@ -15195,7 +15319,7 @@
       </p:sp>
       <p:sp>
         <p:nvSpPr>
-          <p:cNvPr id="162" name="Google Shape;162;g333bba2404a_0_0"/>
+          <p:cNvPr id="163" name="Google Shape;163;g333bba2404a_0_0"/>
           <p:cNvSpPr txBox="1"/>
           <p:nvPr>
             <p:ph idx="1" type="body"/>
@@ -15438,7 +15562,7 @@
   <p:cSld>
     <p:spTree>
       <p:nvGrpSpPr>
-        <p:cNvPr id="166" name="Shape 166"/>
+        <p:cNvPr id="167" name="Shape 167"/>
         <p:cNvGrpSpPr/>
         <p:nvPr/>
       </p:nvGrpSpPr>
@@ -15452,7 +15576,7 @@
       </p:grpSpPr>
       <p:sp>
         <p:nvSpPr>
-          <p:cNvPr id="167" name="Google Shape;167;g2f62552a751_0_76"/>
+          <p:cNvPr id="168" name="Google Shape;168;g2f62552a751_0_76"/>
           <p:cNvSpPr txBox="1"/>
           <p:nvPr>
             <p:ph idx="1" type="body"/>
@@ -16453,7 +16577,7 @@
       </p:sp>
       <p:pic>
         <p:nvPicPr>
-          <p:cNvPr descr="Bruce Lee Be As Water Philosophy video.&#10;http://www.aqualogixfitness.com" id="75" name="Google Shape;75;g2fd87296955_0_15" title="Bruce Lee Be As Water My Friend">
+          <p:cNvPr descr="Bruce Lee: Empty your mind, be formless, shapeless like water if you put water in the cup it becomes the cup and water can flow or it can crash." id="75" name="Google Shape;75;g2fd87296955_0_15" title="Bruce Lee: Be like water (Inspirational)">
             <a:hlinkClick r:id="rId3"/>
           </p:cNvPr>
           <p:cNvPicPr preferRelativeResize="0"/>
@@ -16469,8 +16593,8 @@
         </p:blipFill>
         <p:spPr>
           <a:xfrm>
-            <a:off x="644538" y="725100"/>
-            <a:ext cx="7854934" cy="4418400"/>
+            <a:off x="945899" y="725100"/>
+            <a:ext cx="7252200" cy="4079375"/>
           </a:xfrm>
           <a:prstGeom prst="rect">
             <a:avLst/>
@@ -16481,6 +16605,62 @@
           </a:ln>
         </p:spPr>
       </p:pic>
+      <p:sp>
+        <p:nvSpPr>
+          <p:cNvPr id="76" name="Google Shape;76;g2fd87296955_0_15"/>
+          <p:cNvSpPr txBox="1"/>
+          <p:nvPr/>
+        </p:nvSpPr>
+        <p:spPr>
+          <a:xfrm>
+            <a:off x="0" y="4743300"/>
+            <a:ext cx="9144000" cy="400200"/>
+          </a:xfrm>
+          <a:prstGeom prst="rect">
+            <a:avLst/>
+          </a:prstGeom>
+          <a:noFill/>
+          <a:ln>
+            <a:noFill/>
+          </a:ln>
+        </p:spPr>
+        <p:txBody>
+          <a:bodyPr anchorCtr="0" anchor="t" bIns="91425" lIns="91425" spcFirstLastPara="1" rIns="91425" wrap="square" tIns="91425">
+            <a:spAutoFit/>
+          </a:bodyPr>
+          <a:lstStyle/>
+          <a:p>
+            <a:pPr indent="0" lvl="0" marL="0" rtl="0" algn="ctr">
+              <a:spcBef>
+                <a:spcPts val="0"/>
+              </a:spcBef>
+              <a:spcAft>
+                <a:spcPts val="0"/>
+              </a:spcAft>
+              <a:buNone/>
+            </a:pPr>
+            <a:r>
+              <a:rPr b="1" lang="en" u="sng">
+                <a:solidFill>
+                  <a:schemeClr val="hlink"/>
+                </a:solidFill>
+                <a:latin typeface="Times New Roman"/>
+                <a:ea typeface="Times New Roman"/>
+                <a:cs typeface="Times New Roman"/>
+                <a:sym typeface="Times New Roman"/>
+                <a:hlinkClick r:id="rId5"/>
+              </a:rPr>
+              <a:t>YouTube Link</a:t>
+            </a:r>
+            <a:endParaRPr b="1">
+              <a:latin typeface="Times New Roman"/>
+              <a:ea typeface="Times New Roman"/>
+              <a:cs typeface="Times New Roman"/>
+              <a:sym typeface="Times New Roman"/>
+            </a:endParaRPr>
+          </a:p>
+        </p:txBody>
+      </p:sp>
     </p:spTree>
   </p:cSld>
   <p:clrMapOvr>
@@ -16577,7 +16757,7 @@
   <p:cSld>
     <p:spTree>
       <p:nvGrpSpPr>
-        <p:cNvPr id="79" name="Shape 79"/>
+        <p:cNvPr id="80" name="Shape 80"/>
         <p:cNvGrpSpPr/>
         <p:nvPr/>
       </p:nvGrpSpPr>
@@ -16591,7 +16771,7 @@
       </p:grpSpPr>
       <p:sp>
         <p:nvSpPr>
-          <p:cNvPr id="80" name="Google Shape;80;g2fd87296955_0_21"/>
+          <p:cNvPr id="81" name="Google Shape;81;g2fd87296955_0_21"/>
           <p:cNvSpPr txBox="1"/>
           <p:nvPr>
             <p:ph type="title"/>
@@ -16649,7 +16829,7 @@
       </p:sp>
       <p:sp>
         <p:nvSpPr>
-          <p:cNvPr id="81" name="Google Shape;81;g2fd87296955_0_21"/>
+          <p:cNvPr id="82" name="Google Shape;82;g2fd87296955_0_21"/>
           <p:cNvSpPr txBox="1"/>
           <p:nvPr/>
         </p:nvSpPr>
@@ -16781,7 +16961,7 @@
       </p:sp>
       <p:pic>
         <p:nvPicPr>
-          <p:cNvPr id="82" name="Google Shape;82;g2fd87296955_0_21"/>
+          <p:cNvPr id="83" name="Google Shape;83;g2fd87296955_0_21"/>
           <p:cNvPicPr preferRelativeResize="0"/>
           <p:nvPr/>
         </p:nvPicPr>
@@ -16808,7 +16988,7 @@
       </p:pic>
       <p:sp>
         <p:nvSpPr>
-          <p:cNvPr id="83" name="Google Shape;83;g2fd87296955_0_21"/>
+          <p:cNvPr id="84" name="Google Shape;84;g2fd87296955_0_21"/>
           <p:cNvSpPr txBox="1"/>
           <p:nvPr/>
         </p:nvSpPr>
@@ -16997,7 +17177,7 @@
   <p:cSld>
     <p:spTree>
       <p:nvGrpSpPr>
-        <p:cNvPr id="87" name="Shape 87"/>
+        <p:cNvPr id="88" name="Shape 88"/>
         <p:cNvGrpSpPr/>
         <p:nvPr/>
       </p:nvGrpSpPr>
@@ -17011,7 +17191,7 @@
       </p:grpSpPr>
       <p:sp>
         <p:nvSpPr>
-          <p:cNvPr id="88" name="Google Shape;88;g2fd87296955_0_31"/>
+          <p:cNvPr id="89" name="Google Shape;89;g2fd87296955_0_31"/>
           <p:cNvSpPr txBox="1"/>
           <p:nvPr>
             <p:ph type="title"/>
@@ -17069,7 +17249,7 @@
       </p:sp>
       <p:sp>
         <p:nvSpPr>
-          <p:cNvPr id="89" name="Google Shape;89;g2fd87296955_0_31"/>
+          <p:cNvPr id="90" name="Google Shape;90;g2fd87296955_0_31"/>
           <p:cNvSpPr txBox="1"/>
           <p:nvPr/>
         </p:nvSpPr>
@@ -17108,7 +17288,7 @@
                 <a:cs typeface="Times New Roman"/>
                 <a:sym typeface="Times New Roman"/>
               </a:rPr>
-              <a:t>https://gs.statcounter.com/platform-market-share/desktop-mobile-tablet/worldwide/#monthly-202002-202502</a:t>
+              <a:t>https://gs.statcounter.com/platform-market-share/desktop-mobile-tablet/worldwide/#monthly-202002-202508</a:t>
             </a:r>
             <a:endParaRPr>
               <a:latin typeface="Times New Roman"/>
@@ -17121,7 +17301,7 @@
       </p:sp>
       <p:pic>
         <p:nvPicPr>
-          <p:cNvPr id="90" name="Google Shape;90;g2fd87296955_0_31"/>
+          <p:cNvPr id="91" name="Google Shape;91;g2fd87296955_0_31" title="StatCounter-comparison-ww-monthly-202002-202508.png"/>
           <p:cNvPicPr preferRelativeResize="0"/>
           <p:nvPr/>
         </p:nvPicPr>
@@ -17135,8 +17315,8 @@
         </p:blipFill>
         <p:spPr>
           <a:xfrm>
-            <a:off x="2135563" y="1849911"/>
-            <a:ext cx="4872870" cy="2740990"/>
+            <a:off x="2026888" y="1698325"/>
+            <a:ext cx="5090224" cy="2863249"/>
           </a:xfrm>
           <a:prstGeom prst="rect">
             <a:avLst/>
@@ -17149,21 +17329,22 @@
       </p:pic>
       <p:pic>
         <p:nvPicPr>
-          <p:cNvPr id="91" name="Google Shape;91;g2fd87296955_0_31"/>
+          <p:cNvPr id="92" name="Google Shape;92;g2fd87296955_0_31" title="Screenshot from 2025-09-15 15-00-19.png"/>
           <p:cNvPicPr preferRelativeResize="0"/>
           <p:nvPr/>
         </p:nvPicPr>
-        <p:blipFill rotWithShape="1">
+        <p:blipFill>
           <a:blip r:embed="rId4">
             <a:alphaModFix/>
           </a:blip>
-          <a:srcRect b="7810" l="0" r="0" t="25317"/>
-          <a:stretch/>
+          <a:stretch>
+            <a:fillRect/>
+          </a:stretch>
         </p:blipFill>
         <p:spPr>
           <a:xfrm>
-            <a:off x="0" y="724275"/>
-            <a:ext cx="9144000" cy="974050"/>
+            <a:off x="0" y="572689"/>
+            <a:ext cx="9144001" cy="1141073"/>
           </a:xfrm>
           <a:prstGeom prst="rect">
             <a:avLst/>
@@ -17187,7 +17368,7 @@
   <p:cSld>
     <p:spTree>
       <p:nvGrpSpPr>
-        <p:cNvPr id="95" name="Shape 95"/>
+        <p:cNvPr id="96" name="Shape 96"/>
         <p:cNvGrpSpPr/>
         <p:nvPr/>
       </p:nvGrpSpPr>
@@ -17201,7 +17382,7 @@
       </p:grpSpPr>
       <p:sp>
         <p:nvSpPr>
-          <p:cNvPr id="96" name="Google Shape;96;g2fd87296955_0_40"/>
+          <p:cNvPr id="97" name="Google Shape;97;g2fd87296955_0_40"/>
           <p:cNvSpPr txBox="1"/>
           <p:nvPr>
             <p:ph type="title"/>
@@ -17259,7 +17440,7 @@
       </p:sp>
       <p:sp>
         <p:nvSpPr>
-          <p:cNvPr id="97" name="Google Shape;97;g2fd87296955_0_40"/>
+          <p:cNvPr id="98" name="Google Shape;98;g2fd87296955_0_40"/>
           <p:cNvSpPr txBox="1"/>
           <p:nvPr/>
         </p:nvSpPr>
@@ -17518,7 +17699,7 @@
   <p:cSld>
     <p:spTree>
       <p:nvGrpSpPr>
-        <p:cNvPr id="101" name="Shape 101"/>
+        <p:cNvPr id="102" name="Shape 102"/>
         <p:cNvGrpSpPr/>
         <p:nvPr/>
       </p:nvGrpSpPr>
@@ -17532,7 +17713,7 @@
       </p:grpSpPr>
       <p:sp>
         <p:nvSpPr>
-          <p:cNvPr id="102" name="Google Shape;102;g2fd87296955_0_72"/>
+          <p:cNvPr id="103" name="Google Shape;103;g2fd87296955_0_72"/>
           <p:cNvSpPr txBox="1"/>
           <p:nvPr>
             <p:ph type="title"/>
@@ -17590,7 +17771,7 @@
       </p:sp>
       <p:sp>
         <p:nvSpPr>
-          <p:cNvPr id="103" name="Google Shape;103;g2fd87296955_0_72"/>
+          <p:cNvPr id="104" name="Google Shape;104;g2fd87296955_0_72"/>
           <p:cNvSpPr txBox="1"/>
           <p:nvPr/>
         </p:nvSpPr>
@@ -18092,7 +18273,7 @@
       </p:sp>
       <p:sp>
         <p:nvSpPr>
-          <p:cNvPr id="104" name="Google Shape;104;g2fd87296955_0_72"/>
+          <p:cNvPr id="105" name="Google Shape;105;g2fd87296955_0_72"/>
           <p:cNvSpPr txBox="1"/>
           <p:nvPr/>
         </p:nvSpPr>
@@ -18184,7 +18365,7 @@
   <p:cSld>
     <p:spTree>
       <p:nvGrpSpPr>
-        <p:cNvPr id="108" name="Shape 108"/>
+        <p:cNvPr id="109" name="Shape 109"/>
         <p:cNvGrpSpPr/>
         <p:nvPr/>
       </p:nvGrpSpPr>
@@ -18198,7 +18379,7 @@
       </p:grpSpPr>
       <p:sp>
         <p:nvSpPr>
-          <p:cNvPr id="109" name="Google Shape;109;g2fd87296955_0_77"/>
+          <p:cNvPr id="110" name="Google Shape;110;g2fd87296955_0_77"/>
           <p:cNvSpPr txBox="1"/>
           <p:nvPr>
             <p:ph type="title"/>
@@ -18256,7 +18437,7 @@
       </p:sp>
       <p:pic>
         <p:nvPicPr>
-          <p:cNvPr id="110" name="Google Shape;110;g2fd87296955_0_77"/>
+          <p:cNvPr id="111" name="Google Shape;111;g2fd87296955_0_77"/>
           <p:cNvPicPr preferRelativeResize="0"/>
           <p:nvPr/>
         </p:nvPicPr>
@@ -18283,7 +18464,7 @@
       </p:pic>
       <p:sp>
         <p:nvSpPr>
-          <p:cNvPr id="111" name="Google Shape;111;g2fd87296955_0_77"/>
+          <p:cNvPr id="112" name="Google Shape;112;g2fd87296955_0_77"/>
           <p:cNvSpPr txBox="1"/>
           <p:nvPr/>
         </p:nvSpPr>
@@ -18738,7 +18919,7 @@
       </p:sp>
       <p:sp>
         <p:nvSpPr>
-          <p:cNvPr id="112" name="Google Shape;112;g2fd87296955_0_77"/>
+          <p:cNvPr id="113" name="Google Shape;113;g2fd87296955_0_77"/>
           <p:cNvSpPr txBox="1"/>
           <p:nvPr/>
         </p:nvSpPr>
